--- a/Network/06. Network Transport Protocols (1).pptx
+++ b/Network/06. Network Transport Protocols (1).pptx
@@ -219,7 +219,7 @@
           <a:p>
             <a:fld id="{1BA909BF-503D-46EF-A7F0-824009663C50}" type="datetimeFigureOut">
               <a:rPr lang="ko-KR" altLang="en-US" smtClean="0"/>
-              <a:t>2023-04-11</a:t>
+              <a:t>2023-04-12</a:t>
             </a:fld>
             <a:endParaRPr lang="ko-KR" altLang="en-US"/>
           </a:p>
@@ -801,7 +801,7 @@
           <a:p>
             <a:fld id="{89B3C2D2-5A1C-4C7F-8B84-C4DC8EB1FF56}" type="datetimeFigureOut">
               <a:rPr lang="ko-KR" altLang="en-US" smtClean="0"/>
-              <a:t>2023-04-11</a:t>
+              <a:t>2023-04-12</a:t>
             </a:fld>
             <a:endParaRPr lang="ko-KR" altLang="en-US"/>
           </a:p>
@@ -999,7 +999,7 @@
           <a:p>
             <a:fld id="{89B3C2D2-5A1C-4C7F-8B84-C4DC8EB1FF56}" type="datetimeFigureOut">
               <a:rPr lang="ko-KR" altLang="en-US" smtClean="0"/>
-              <a:t>2023-04-11</a:t>
+              <a:t>2023-04-12</a:t>
             </a:fld>
             <a:endParaRPr lang="ko-KR" altLang="en-US"/>
           </a:p>
@@ -1207,7 +1207,7 @@
           <a:p>
             <a:fld id="{89B3C2D2-5A1C-4C7F-8B84-C4DC8EB1FF56}" type="datetimeFigureOut">
               <a:rPr lang="ko-KR" altLang="en-US" smtClean="0"/>
-              <a:t>2023-04-11</a:t>
+              <a:t>2023-04-12</a:t>
             </a:fld>
             <a:endParaRPr lang="ko-KR" altLang="en-US"/>
           </a:p>
@@ -1405,7 +1405,7 @@
           <a:p>
             <a:fld id="{89B3C2D2-5A1C-4C7F-8B84-C4DC8EB1FF56}" type="datetimeFigureOut">
               <a:rPr lang="ko-KR" altLang="en-US" smtClean="0"/>
-              <a:t>2023-04-11</a:t>
+              <a:t>2023-04-12</a:t>
             </a:fld>
             <a:endParaRPr lang="ko-KR" altLang="en-US"/>
           </a:p>
@@ -1680,7 +1680,7 @@
           <a:p>
             <a:fld id="{89B3C2D2-5A1C-4C7F-8B84-C4DC8EB1FF56}" type="datetimeFigureOut">
               <a:rPr lang="ko-KR" altLang="en-US" smtClean="0"/>
-              <a:t>2023-04-11</a:t>
+              <a:t>2023-04-12</a:t>
             </a:fld>
             <a:endParaRPr lang="ko-KR" altLang="en-US"/>
           </a:p>
@@ -1945,7 +1945,7 @@
           <a:p>
             <a:fld id="{89B3C2D2-5A1C-4C7F-8B84-C4DC8EB1FF56}" type="datetimeFigureOut">
               <a:rPr lang="ko-KR" altLang="en-US" smtClean="0"/>
-              <a:t>2023-04-11</a:t>
+              <a:t>2023-04-12</a:t>
             </a:fld>
             <a:endParaRPr lang="ko-KR" altLang="en-US"/>
           </a:p>
@@ -2357,7 +2357,7 @@
           <a:p>
             <a:fld id="{89B3C2D2-5A1C-4C7F-8B84-C4DC8EB1FF56}" type="datetimeFigureOut">
               <a:rPr lang="ko-KR" altLang="en-US" smtClean="0"/>
-              <a:t>2023-04-11</a:t>
+              <a:t>2023-04-12</a:t>
             </a:fld>
             <a:endParaRPr lang="ko-KR" altLang="en-US"/>
           </a:p>
@@ -2498,7 +2498,7 @@
           <a:p>
             <a:fld id="{89B3C2D2-5A1C-4C7F-8B84-C4DC8EB1FF56}" type="datetimeFigureOut">
               <a:rPr lang="ko-KR" altLang="en-US" smtClean="0"/>
-              <a:t>2023-04-11</a:t>
+              <a:t>2023-04-12</a:t>
             </a:fld>
             <a:endParaRPr lang="ko-KR" altLang="en-US"/>
           </a:p>
@@ -2611,7 +2611,7 @@
           <a:p>
             <a:fld id="{89B3C2D2-5A1C-4C7F-8B84-C4DC8EB1FF56}" type="datetimeFigureOut">
               <a:rPr lang="ko-KR" altLang="en-US" smtClean="0"/>
-              <a:t>2023-04-11</a:t>
+              <a:t>2023-04-12</a:t>
             </a:fld>
             <a:endParaRPr lang="ko-KR" altLang="en-US"/>
           </a:p>
@@ -2922,7 +2922,7 @@
           <a:p>
             <a:fld id="{89B3C2D2-5A1C-4C7F-8B84-C4DC8EB1FF56}" type="datetimeFigureOut">
               <a:rPr lang="ko-KR" altLang="en-US" smtClean="0"/>
-              <a:t>2023-04-11</a:t>
+              <a:t>2023-04-12</a:t>
             </a:fld>
             <a:endParaRPr lang="ko-KR" altLang="en-US"/>
           </a:p>
@@ -3210,7 +3210,7 @@
           <a:p>
             <a:fld id="{89B3C2D2-5A1C-4C7F-8B84-C4DC8EB1FF56}" type="datetimeFigureOut">
               <a:rPr lang="ko-KR" altLang="en-US" smtClean="0"/>
-              <a:t>2023-04-11</a:t>
+              <a:t>2023-04-12</a:t>
             </a:fld>
             <a:endParaRPr lang="ko-KR" altLang="en-US"/>
           </a:p>
@@ -3451,7 +3451,7 @@
           <a:p>
             <a:fld id="{89B3C2D2-5A1C-4C7F-8B84-C4DC8EB1FF56}" type="datetimeFigureOut">
               <a:rPr lang="ko-KR" altLang="en-US" smtClean="0"/>
-              <a:t>2023-04-11</a:t>
+              <a:t>2023-04-12</a:t>
             </a:fld>
             <a:endParaRPr lang="ko-KR" altLang="en-US"/>
           </a:p>
@@ -3966,18 +3966,18 @@
           <a:p>
             <a:pPr algn="l"/>
             <a:r>
-              <a:rPr lang="en-US" altLang="ko-KR" sz="5400" b="1" dirty="0"/>
+              <a:rPr lang="en-US" altLang="ko-KR" sz="4800" b="1" dirty="0"/>
               <a:t>Network : Transport</a:t>
             </a:r>
             <a:r>
-              <a:rPr lang="ko-KR" altLang="en-US" sz="5400" b="1" dirty="0"/>
+              <a:rPr lang="ko-KR" altLang="en-US" sz="4800" b="1" dirty="0"/>
               <a:t> </a:t>
             </a:r>
             <a:r>
-              <a:rPr lang="en-US" altLang="ko-KR" sz="5400" b="1" dirty="0"/>
-              <a:t>Protocols</a:t>
-            </a:r>
-            <a:endParaRPr lang="ko-KR" altLang="en-US" sz="5400" b="1" dirty="0"/>
+              <a:rPr lang="en-US" altLang="ko-KR" sz="4800" b="1" dirty="0"/>
+              <a:t>Protocols (1)</a:t>
+            </a:r>
+            <a:endParaRPr lang="ko-KR" altLang="en-US" sz="4800" b="1" dirty="0"/>
           </a:p>
         </p:txBody>
       </p:sp>
